--- a/Projekt.pptx
+++ b/Projekt.pptx
@@ -291,7 +291,7 @@
       <p15:sldGuideLst xmlns:p15="http://schemas.microsoft.com/office/powerpoint/2012/main"/>
     </p:ext>
     <p:ext uri="GoogleSlidesCustomDataVersion2">
-      <go:slidesCustomData xmlns="" xmlns:mc="http://schemas.openxmlformats.org/markup-compatibility/2006" xmlns:mv="urn:schemas-microsoft-com:mac:vml" xmlns:c="http://schemas.openxmlformats.org/drawingml/2006/chart" xmlns:dgm="http://schemas.openxmlformats.org/drawingml/2006/diagram" xmlns:o="urn:schemas-microsoft-com:office:office" xmlns:v="urn:schemas-microsoft-com:vml" xmlns:pvml="urn:schemas-microsoft-com:office:powerpoint" xmlns:com="http://schemas.openxmlformats.org/drawingml/2006/compatibility" xmlns:p14="http://schemas.microsoft.com/office/powerpoint/2010/main" xmlns:p15="http://schemas.microsoft.com/office/powerpoint/2012/main" xmlns:ahyp="http://schemas.microsoft.com/office/drawing/2018/hyperlinkcolor" xmlns:go="http://customooxmlschemas.google.com/" r:id="rId34" roundtripDataSignature="AMtx7mg50lBVQY1DUQBGsCbasJAguESYuQ=="/>
+      <go:slidesCustomData xmlns:go="http://customooxmlschemas.google.com/" xmlns:ahyp="http://schemas.microsoft.com/office/drawing/2018/hyperlinkcolor" xmlns:p15="http://schemas.microsoft.com/office/powerpoint/2012/main" xmlns:p14="http://schemas.microsoft.com/office/powerpoint/2010/main" xmlns:com="http://schemas.openxmlformats.org/drawingml/2006/compatibility" xmlns:pvml="urn:schemas-microsoft-com:office:powerpoint" xmlns:v="urn:schemas-microsoft-com:vml" xmlns:o="urn:schemas-microsoft-com:office:office" xmlns:dgm="http://schemas.openxmlformats.org/drawingml/2006/diagram" xmlns:c="http://schemas.openxmlformats.org/drawingml/2006/chart" xmlns:mv="urn:schemas-microsoft-com:mac:vml" xmlns:mc="http://schemas.openxmlformats.org/markup-compatibility/2006" xmlns="" r:id="rId34" roundtripDataSignature="AMtx7mg50lBVQY1DUQBGsCbasJAguESYuQ=="/>
     </p:ext>
   </p:extLst>
 </p:presentation>
@@ -14226,16 +14226,7 @@
           </a:bodyPr>
           <a:lstStyle/>
           <a:p>
-            <a:pPr marL="285750" marR="0" lvl="0" indent="-285750" algn="l" rtl="0">
-              <a:lnSpc>
-                <a:spcPct val="100000"/>
-              </a:lnSpc>
-              <a:spcBef>
-                <a:spcPts val="0"/>
-              </a:spcBef>
-              <a:spcAft>
-                <a:spcPts val="0"/>
-              </a:spcAft>
+            <a:pPr marL="285750" lvl="0" indent="-285750">
               <a:buClr>
                 <a:schemeClr val="dk1"/>
               </a:buClr>
@@ -14255,16 +14246,7 @@
             </a:r>
           </a:p>
           <a:p>
-            <a:pPr marL="285750" marR="0" lvl="0" indent="-285750" algn="l" rtl="0">
-              <a:lnSpc>
-                <a:spcPct val="100000"/>
-              </a:lnSpc>
-              <a:spcBef>
-                <a:spcPts val="0"/>
-              </a:spcBef>
-              <a:spcAft>
-                <a:spcPts val="0"/>
-              </a:spcAft>
+            <a:pPr marL="285750" lvl="0" indent="-285750">
               <a:buClr>
                 <a:schemeClr val="dk1"/>
               </a:buClr>
@@ -14281,16 +14263,7 @@
             </a:endParaRPr>
           </a:p>
           <a:p>
-            <a:pPr marL="285750" marR="0" lvl="0" indent="-285750" algn="l" rtl="0">
-              <a:lnSpc>
-                <a:spcPct val="100000"/>
-              </a:lnSpc>
-              <a:spcBef>
-                <a:spcPts val="0"/>
-              </a:spcBef>
-              <a:spcAft>
-                <a:spcPts val="0"/>
-              </a:spcAft>
+            <a:pPr marL="285750" lvl="0" indent="-285750">
               <a:buClr>
                 <a:schemeClr val="dk1"/>
               </a:buClr>
@@ -14310,16 +14283,7 @@
             </a:r>
           </a:p>
           <a:p>
-            <a:pPr marL="285750" marR="0" lvl="0" indent="-285750" algn="l" rtl="0">
-              <a:lnSpc>
-                <a:spcPct val="100000"/>
-              </a:lnSpc>
-              <a:spcBef>
-                <a:spcPts val="0"/>
-              </a:spcBef>
-              <a:spcAft>
-                <a:spcPts val="0"/>
-              </a:spcAft>
+            <a:pPr marL="285750" lvl="0" indent="-285750">
               <a:buClr>
                 <a:schemeClr val="dk1"/>
               </a:buClr>
@@ -14336,16 +14300,7 @@
             </a:endParaRPr>
           </a:p>
           <a:p>
-            <a:pPr marL="285750" marR="0" lvl="0" indent="-285750" algn="l" rtl="0">
-              <a:lnSpc>
-                <a:spcPct val="100000"/>
-              </a:lnSpc>
-              <a:spcBef>
-                <a:spcPts val="0"/>
-              </a:spcBef>
-              <a:spcAft>
-                <a:spcPts val="0"/>
-              </a:spcAft>
+            <a:pPr marL="285750" lvl="0" indent="-285750">
               <a:buClr>
                 <a:schemeClr val="dk1"/>
               </a:buClr>
@@ -14365,24 +14320,10 @@
             </a:r>
           </a:p>
           <a:p>
-            <a:pPr marL="0" marR="0" lvl="0" indent="0" algn="l" rtl="0">
-              <a:lnSpc>
-                <a:spcPct val="100000"/>
-              </a:lnSpc>
-              <a:spcBef>
-                <a:spcPts val="0"/>
-              </a:spcBef>
-              <a:spcAft>
-                <a:spcPts val="0"/>
-              </a:spcAft>
-              <a:buClr>
-                <a:srgbClr val="000000"/>
-              </a:buClr>
+            <a:pPr lvl="0">
               <a:buSzPts val="1400"/>
-              <a:buFont typeface="Arial"/>
-              <a:buNone/>
             </a:pPr>
-            <a:endParaRPr sz="1400" b="0" i="0" u="none" strike="noStrike" cap="none" dirty="0">
+            <a:endParaRPr lang="hu-HU" dirty="0">
               <a:solidFill>
                 <a:schemeClr val="dk1"/>
               </a:solidFill>
